--- a/documentation/eLeapDeck-06052018.pptx
+++ b/documentation/eLeapDeck-06052018.pptx
@@ -24312,7 +24312,7 @@
               <a:buNone/>
             </a:pPr>
             <a:r>
-              <a:rPr lang="en-US" sz="1800" b="0" i="0" u="none" strike="noStrike" cap="none">
+              <a:rPr lang="en-US" sz="1800" b="0" i="0" u="none" strike="noStrike" cap="none" dirty="0">
                 <a:solidFill>
                   <a:srgbClr val="7F7F7F"/>
                 </a:solidFill>
@@ -24323,7 +24323,7 @@
               </a:rPr>
               <a:t>A better solution for service-learning opportunity management</a:t>
             </a:r>
-            <a:endParaRPr/>
+            <a:endParaRPr dirty="0"/>
           </a:p>
         </p:txBody>
       </p:sp>
@@ -27140,7 +27140,7 @@
               <a:buNone/>
             </a:pPr>
             <a:r>
-              <a:rPr lang="en-US" sz="2000" b="0" i="0" u="none" strike="noStrike" cap="none">
+              <a:rPr lang="en-US" sz="2000" b="0" i="0" u="none" strike="noStrike" cap="none" dirty="0">
                 <a:solidFill>
                   <a:srgbClr val="3F3F3F"/>
                 </a:solidFill>
@@ -27149,9 +27149,33 @@
                 <a:cs typeface="Trebuchet MS"/>
                 <a:sym typeface="Trebuchet MS"/>
               </a:rPr>
-              <a:t>Service-Learning curriculum takes advantage of volunteer positions both on- and off-campus. Volunteer responsibilities apply concepts or skills pertinent to course outcomes. Students learn while engaging with the community, and the community benefits from student participation.</a:t>
+              <a:t>Service-Learning curriculum takes advantage of volunteer positions both </a:t>
             </a:r>
-            <a:endParaRPr/>
+            <a:r>
+              <a:rPr lang="en-US" sz="2000" b="0" i="0" u="none" strike="noStrike" cap="none" dirty="0" smtClean="0">
+                <a:solidFill>
+                  <a:srgbClr val="3F3F3F"/>
+                </a:solidFill>
+                <a:latin typeface="Trebuchet MS"/>
+                <a:ea typeface="Trebuchet MS"/>
+                <a:cs typeface="Trebuchet MS"/>
+                <a:sym typeface="Trebuchet MS"/>
+              </a:rPr>
+              <a:t>on </a:t>
+            </a:r>
+            <a:r>
+              <a:rPr lang="en-US" sz="2000" b="0" i="0" u="none" strike="noStrike" cap="none" dirty="0">
+                <a:solidFill>
+                  <a:srgbClr val="3F3F3F"/>
+                </a:solidFill>
+                <a:latin typeface="Trebuchet MS"/>
+                <a:ea typeface="Trebuchet MS"/>
+                <a:cs typeface="Trebuchet MS"/>
+                <a:sym typeface="Trebuchet MS"/>
+              </a:rPr>
+              <a:t>and off-campus. Volunteer responsibilities apply concepts or skills pertinent to course outcomes. Students learn while engaging with the community, and the community benefits from student participation.</a:t>
+            </a:r>
+            <a:endParaRPr dirty="0"/>
           </a:p>
         </p:txBody>
       </p:sp>
@@ -27671,7 +27695,7 @@
               <a:buNone/>
             </a:pPr>
             <a:r>
-              <a:rPr lang="en-US" sz="3600" b="0" i="0" u="none" strike="noStrike" cap="none">
+              <a:rPr lang="en-US" sz="3600" b="0" i="0" u="none" strike="noStrike" cap="none" dirty="0" err="1" smtClean="0">
                 <a:solidFill>
                   <a:schemeClr val="accent1"/>
                 </a:solidFill>
@@ -27680,9 +27704,33 @@
                 <a:cs typeface="Trebuchet MS"/>
                 <a:sym typeface="Trebuchet MS"/>
               </a:rPr>
-              <a:t>eLeap: The right solution</a:t>
+              <a:t>Educationary</a:t>
             </a:r>
-            <a:endParaRPr/>
+            <a:r>
+              <a:rPr lang="en-US" sz="3600" b="0" i="0" u="none" strike="noStrike" cap="none" smtClean="0">
+                <a:solidFill>
+                  <a:schemeClr val="accent1"/>
+                </a:solidFill>
+                <a:latin typeface="Trebuchet MS"/>
+                <a:ea typeface="Trebuchet MS"/>
+                <a:cs typeface="Trebuchet MS"/>
+                <a:sym typeface="Trebuchet MS"/>
+              </a:rPr>
+              <a:t> Leap</a:t>
+            </a:r>
+            <a:r>
+              <a:rPr lang="en-US" sz="3600" b="0" i="0" u="none" strike="noStrike" cap="none" dirty="0">
+                <a:solidFill>
+                  <a:schemeClr val="accent1"/>
+                </a:solidFill>
+                <a:latin typeface="Trebuchet MS"/>
+                <a:ea typeface="Trebuchet MS"/>
+                <a:cs typeface="Trebuchet MS"/>
+                <a:sym typeface="Trebuchet MS"/>
+              </a:rPr>
+              <a:t>: The right solution</a:t>
+            </a:r>
+            <a:endParaRPr dirty="0"/>
           </a:p>
         </p:txBody>
       </p:sp>
@@ -28296,7 +28344,31 @@
                   <a:cs typeface="Trebuchet MS"/>
                   <a:sym typeface="Trebuchet MS"/>
                 </a:rPr>
-                <a:t>Connecting Faculty, Instructor and </a:t>
+                <a:t>Connecting Faculty, </a:t>
+              </a:r>
+              <a:r>
+                <a:rPr lang="en-US" sz="2600" dirty="0" smtClean="0">
+                  <a:solidFill>
+                    <a:schemeClr val="lt1"/>
+                  </a:solidFill>
+                  <a:latin typeface="Trebuchet MS"/>
+                  <a:ea typeface="Trebuchet MS"/>
+                  <a:cs typeface="Trebuchet MS"/>
+                  <a:sym typeface="Trebuchet MS"/>
+                </a:rPr>
+                <a:t>Instructors </a:t>
+              </a:r>
+              <a:r>
+                <a:rPr lang="en-US" sz="2600" dirty="0">
+                  <a:solidFill>
+                    <a:schemeClr val="lt1"/>
+                  </a:solidFill>
+                  <a:latin typeface="Trebuchet MS"/>
+                  <a:ea typeface="Trebuchet MS"/>
+                  <a:cs typeface="Trebuchet MS"/>
+                  <a:sym typeface="Trebuchet MS"/>
+                </a:rPr>
+                <a:t>and </a:t>
               </a:r>
               <a:r>
                 <a:rPr lang="en-US" sz="2600" dirty="0" smtClean="0">
@@ -28656,7 +28728,7 @@
                 <a:buChar char="•"/>
               </a:pPr>
               <a:r>
-                <a:rPr lang="en-US" sz="2000" b="0" i="0" u="none" strike="noStrike" cap="none">
+                <a:rPr lang="en-US" sz="2000" b="0" i="0" u="none" strike="noStrike" cap="none" dirty="0">
                   <a:solidFill>
                     <a:schemeClr val="dk1"/>
                   </a:solidFill>
@@ -28667,7 +28739,7 @@
                 </a:rPr>
                 <a:t>Sign Up</a:t>
               </a:r>
-              <a:endParaRPr/>
+              <a:endParaRPr dirty="0"/>
             </a:p>
             <a:p>
               <a:pPr marL="228600" marR="0" lvl="1" indent="-228600" algn="l" rtl="0">
@@ -28688,7 +28760,7 @@
                 <a:buChar char="•"/>
               </a:pPr>
               <a:r>
-                <a:rPr lang="en-US" sz="2000" b="0" i="0" u="none" strike="noStrike" cap="none">
+                <a:rPr lang="en-US" sz="2000" b="0" i="0" u="none" strike="noStrike" cap="none" dirty="0" smtClean="0">
                   <a:solidFill>
                     <a:schemeClr val="dk1"/>
                   </a:solidFill>
@@ -28697,9 +28769,21 @@
                   <a:cs typeface="Trebuchet MS"/>
                   <a:sym typeface="Trebuchet MS"/>
                 </a:rPr>
-                <a:t>Sign In</a:t>
+                <a:t>Log </a:t>
               </a:r>
-              <a:endParaRPr/>
+              <a:r>
+                <a:rPr lang="en-US" sz="2000" b="0" i="0" u="none" strike="noStrike" cap="none" dirty="0">
+                  <a:solidFill>
+                    <a:schemeClr val="dk1"/>
+                  </a:solidFill>
+                  <a:latin typeface="Trebuchet MS"/>
+                  <a:ea typeface="Trebuchet MS"/>
+                  <a:cs typeface="Trebuchet MS"/>
+                  <a:sym typeface="Trebuchet MS"/>
+                </a:rPr>
+                <a:t>In</a:t>
+              </a:r>
+              <a:endParaRPr dirty="0"/>
             </a:p>
             <a:p>
               <a:pPr marL="228600" marR="0" lvl="1" indent="-228600" algn="l" rtl="0">
@@ -28720,7 +28804,7 @@
                 <a:buChar char="•"/>
               </a:pPr>
               <a:r>
-                <a:rPr lang="en-US" sz="2000" b="0" i="0" u="none" strike="noStrike" cap="none">
+                <a:rPr lang="en-US" sz="2000" b="0" i="0" u="none" strike="noStrike" cap="none" dirty="0" smtClean="0">
                   <a:solidFill>
                     <a:schemeClr val="dk1"/>
                   </a:solidFill>
@@ -28731,7 +28815,35 @@
                 </a:rPr>
                 <a:t>Profile</a:t>
               </a:r>
-              <a:endParaRPr/>
+            </a:p>
+            <a:p>
+              <a:pPr marL="228600" marR="0" lvl="1" indent="-228600" algn="l" rtl="0">
+                <a:lnSpc>
+                  <a:spcPct val="90000"/>
+                </a:lnSpc>
+                <a:spcBef>
+                  <a:spcPts val="300"/>
+                </a:spcBef>
+                <a:spcAft>
+                  <a:spcPts val="0"/>
+                </a:spcAft>
+                <a:buClr>
+                  <a:schemeClr val="dk1"/>
+                </a:buClr>
+                <a:buSzPts val="2000"/>
+                <a:buFont typeface="Trebuchet MS"/>
+                <a:buChar char="•"/>
+              </a:pPr>
+              <a:r>
+                <a:rPr lang="en-US" sz="2000" dirty="0" smtClean="0">
+                  <a:solidFill>
+                    <a:schemeClr val="dk1"/>
+                  </a:solidFill>
+                  <a:latin typeface="Trebuchet MS"/>
+                  <a:sym typeface="Trebuchet MS"/>
+                </a:rPr>
+                <a:t>Join</a:t>
+              </a:r>
             </a:p>
           </p:txBody>
         </p:sp>
@@ -28932,7 +29044,7 @@
                 <a:buChar char="•"/>
               </a:pPr>
               <a:r>
-                <a:rPr lang="en-US" sz="2000" b="0" i="0" u="none" strike="noStrike" cap="none">
+                <a:rPr lang="en-US" sz="2000" b="0" i="0" u="none" strike="noStrike" cap="none" dirty="0">
                   <a:solidFill>
                     <a:schemeClr val="dk1"/>
                   </a:solidFill>
@@ -28943,7 +29055,7 @@
                 </a:rPr>
                 <a:t>List</a:t>
               </a:r>
-              <a:endParaRPr/>
+              <a:endParaRPr dirty="0"/>
             </a:p>
             <a:p>
               <a:pPr marL="228600" marR="0" lvl="1" indent="-228600" algn="l" rtl="0">
@@ -28964,7 +29076,7 @@
                 <a:buChar char="•"/>
               </a:pPr>
               <a:r>
-                <a:rPr lang="en-US" sz="2000" b="0" i="0" u="none" strike="noStrike" cap="none">
+                <a:rPr lang="en-US" sz="2000" b="0" i="0" u="none" strike="noStrike" cap="none" dirty="0">
                   <a:solidFill>
                     <a:schemeClr val="dk1"/>
                   </a:solidFill>
@@ -28975,7 +29087,7 @@
                 </a:rPr>
                 <a:t>Filter</a:t>
               </a:r>
-              <a:endParaRPr/>
+              <a:endParaRPr dirty="0"/>
             </a:p>
             <a:p>
               <a:pPr marL="228600" marR="0" lvl="1" indent="-228600" algn="l" rtl="0">
@@ -28996,7 +29108,7 @@
                 <a:buChar char="•"/>
               </a:pPr>
               <a:r>
-                <a:rPr lang="en-US" sz="2000" b="0" i="0" u="none" strike="noStrike" cap="none">
+                <a:rPr lang="en-US" sz="2000" b="0" i="0" u="none" strike="noStrike" cap="none" dirty="0">
                   <a:solidFill>
                     <a:schemeClr val="dk1"/>
                   </a:solidFill>
@@ -29007,7 +29119,7 @@
                 </a:rPr>
                 <a:t>Create</a:t>
               </a:r>
-              <a:endParaRPr/>
+              <a:endParaRPr dirty="0"/>
             </a:p>
             <a:p>
               <a:pPr marL="228600" marR="0" lvl="1" indent="-228600" algn="l" rtl="0">
@@ -29028,7 +29140,7 @@
                 <a:buChar char="•"/>
               </a:pPr>
               <a:r>
-                <a:rPr lang="en-US" sz="2000" b="0" i="0" u="none" strike="noStrike" cap="none">
+                <a:rPr lang="en-US" sz="2000" b="0" i="0" u="none" strike="noStrike" cap="none" dirty="0">
                   <a:solidFill>
                     <a:schemeClr val="dk1"/>
                   </a:solidFill>
@@ -29039,7 +29151,7 @@
                 </a:rPr>
                 <a:t>Edit</a:t>
               </a:r>
-              <a:endParaRPr/>
+              <a:endParaRPr dirty="0"/>
             </a:p>
             <a:p>
               <a:pPr marL="228600" marR="0" lvl="1" indent="-228600" algn="l" rtl="0">
@@ -29060,7 +29172,7 @@
                 <a:buChar char="•"/>
               </a:pPr>
               <a:r>
-                <a:rPr lang="en-US" sz="2000" b="0" i="0" u="none" strike="noStrike" cap="none">
+                <a:rPr lang="en-US" sz="2000" b="0" i="0" u="none" strike="noStrike" cap="none" dirty="0">
                   <a:solidFill>
                     <a:schemeClr val="dk1"/>
                   </a:solidFill>
@@ -29071,7 +29183,7 @@
                 </a:rPr>
                 <a:t>Delete</a:t>
               </a:r>
-              <a:endParaRPr/>
+              <a:endParaRPr dirty="0"/>
             </a:p>
             <a:p>
               <a:pPr marL="228600" marR="0" lvl="1" indent="-228600" algn="l" rtl="0">
@@ -29092,7 +29204,7 @@
                 <a:buChar char="•"/>
               </a:pPr>
               <a:r>
-                <a:rPr lang="en-US" sz="2000" b="0" i="0" u="none" strike="noStrike" cap="none">
+                <a:rPr lang="en-US" sz="2000" b="0" i="0" u="none" strike="noStrike" cap="none" dirty="0">
                   <a:solidFill>
                     <a:schemeClr val="dk1"/>
                   </a:solidFill>
@@ -29103,7 +29215,7 @@
                 </a:rPr>
                 <a:t>Approve</a:t>
               </a:r>
-              <a:endParaRPr/>
+              <a:endParaRPr dirty="0"/>
             </a:p>
             <a:p>
               <a:pPr marL="228600" marR="0" lvl="1" indent="-228600" algn="l" rtl="0">
@@ -29124,7 +29236,7 @@
                 <a:buChar char="•"/>
               </a:pPr>
               <a:r>
-                <a:rPr lang="en-US" sz="2000" b="0" i="0" u="none" strike="noStrike" cap="none">
+                <a:rPr lang="en-US" sz="2000" b="0" i="0" u="none" strike="noStrike" cap="none" dirty="0" smtClean="0">
                   <a:solidFill>
                     <a:schemeClr val="dk1"/>
                   </a:solidFill>
@@ -29133,9 +29245,9 @@
                   <a:cs typeface="Trebuchet MS"/>
                   <a:sym typeface="Trebuchet MS"/>
                 </a:rPr>
-                <a:t>Reject</a:t>
+                <a:t>Deny</a:t>
               </a:r>
-              <a:endParaRPr/>
+              <a:endParaRPr dirty="0"/>
             </a:p>
           </p:txBody>
         </p:sp>
